--- a/output/modernWorship/Man-of-Sorrows.pptx
+++ b/output/modernWorship/Man-of-Sorrows.pptx
@@ -819,7 +819,7 @@
           <a:lstStyle/>
           <a:p>
             <a:r>
-              <a:t>Chorus</a:t>
+              <a:t>Bridge</a:t>
             </a:r>
             <a:br/>
             <a:r>
@@ -897,7 +897,7 @@
           <a:lstStyle/>
           <a:p>
             <a:r>
-              <a:t>Chorus</a:t>
+              <a:t>Verse 4</a:t>
             </a:r>
             <a:br/>
             <a:r>
@@ -4346,14 +4346,9 @@
           <a:lstStyle/>
           <a:p/>
           <a:p>
-            <a:br/>
             <a:pPr>
               <a:defRPr sz="2500"/>
             </a:pPr>
-            <a:r>
-              <a:t>Bridge</a:t>
-            </a:r>
-            <a:br/>
             <a:r>
               <a:t>Now my debt is paid</a:t>
             </a:r>
@@ -4416,7 +4411,7 @@
               <a:defRPr sz="1200"/>
             </a:pPr>
             <a:r>
-              <a:t>Chorus</a:t>
+              <a:t>Bridge</a:t>
             </a:r>
             <a:br/>
             <a:r>
@@ -4470,14 +4465,9 @@
           <a:lstStyle/>
           <a:p/>
           <a:p>
-            <a:br/>
             <a:pPr>
               <a:defRPr sz="2500"/>
             </a:pPr>
-            <a:r>
-              <a:t>Verse 4</a:t>
-            </a:r>
-            <a:br/>
             <a:r>
               <a:t>See the stone is rolled away</a:t>
             </a:r>
@@ -4524,7 +4514,7 @@
               <a:defRPr sz="1200"/>
             </a:pPr>
             <a:r>
-              <a:t>Chorus</a:t>
+              <a:t>Verse 4</a:t>
             </a:r>
             <a:br/>
             <a:r>
